--- a/presentation.pptx
+++ b/presentation.pptx
@@ -35,8 +35,7 @@
     <p:sldId id="284" r:id="rId29"/>
     <p:sldId id="275" r:id="rId30"/>
     <p:sldId id="285" r:id="rId31"/>
-    <p:sldId id="286" r:id="rId32"/>
-    <p:sldId id="273" r:id="rId33"/>
+    <p:sldId id="273" r:id="rId32"/>
   </p:sldIdLst>
   <p:sldSz cx="12192000" cy="6858000"/>
   <p:notesSz cx="6858000" cy="9144000"/>
@@ -143,6 +142,10 @@
 </p:presentation>
 </file>
 
+<file path=ppt/revisionInfo.xml><?xml version="1.0" encoding="utf-8"?>
+<p1510:revInfo xmlns:a="http://schemas.openxmlformats.org/drawingml/2006/main" xmlns:r="http://schemas.openxmlformats.org/officeDocument/2006/relationships" xmlns:p1510="http://schemas.microsoft.com/office/powerpoint/2015/10/main"/>
+</file>
+
 <file path=ppt/slideLayouts/slideLayout1.xml><?xml version="1.0" encoding="utf-8"?>
 <p:sldLayout xmlns:a="http://schemas.openxmlformats.org/drawingml/2006/main" xmlns:r="http://schemas.openxmlformats.org/officeDocument/2006/relationships" xmlns:p="http://schemas.openxmlformats.org/presentationml/2006/main" showMasterSp="0" type="title" preserve="1">
   <p:cSld name="Title Slide">
@@ -479,7 +482,7 @@
             <a:fld id="{5923F103-BC34-4FE4-A40E-EDDEECFDA5D0}" type="datetimeFigureOut">
               <a:rPr lang="en-US" smtClean="0"/>
               <a:pPr/>
-              <a:t>4/19/2017</a:t>
+              <a:t>1/4/2018</a:t>
             </a:fld>
             <a:endParaRPr lang="en-US" dirty="0"/>
           </a:p>
@@ -1571,7 +1574,7 @@
           <a:p>
             <a:fld id="{923A1CC3-2375-41D4-9E03-427CAF2A4C1A}" type="datetimeFigureOut">
               <a:rPr lang="en-US" smtClean="0"/>
-              <a:t>4/19/2017</a:t>
+              <a:t>1/4/2018</a:t>
             </a:fld>
             <a:endParaRPr lang="en-US" dirty="0"/>
           </a:p>
@@ -2556,7 +2559,7 @@
           <a:p>
             <a:fld id="{AFF16868-8199-4C2C-A5B1-63AEE139F88E}" type="datetimeFigureOut">
               <a:rPr lang="en-US" smtClean="0"/>
-              <a:t>4/19/2017</a:t>
+              <a:t>1/4/2018</a:t>
             </a:fld>
             <a:endParaRPr lang="en-US" dirty="0"/>
           </a:p>
@@ -3695,7 +3698,7 @@
           <a:p>
             <a:fld id="{AAD9FF7F-6988-44CC-821B-644E70CD2F73}" type="datetimeFigureOut">
               <a:rPr lang="en-US" smtClean="0"/>
-              <a:t>4/19/2017</a:t>
+              <a:t>1/4/2018</a:t>
             </a:fld>
             <a:endParaRPr lang="en-US" dirty="0"/>
           </a:p>
@@ -4733,7 +4736,7 @@
           <a:p>
             <a:fld id="{5C12C299-16B2-4475-990D-751901EACC14}" type="datetimeFigureOut">
               <a:rPr lang="en-US" smtClean="0"/>
-              <a:t>4/19/2017</a:t>
+              <a:t>1/4/2018</a:t>
             </a:fld>
             <a:endParaRPr lang="en-US" dirty="0"/>
           </a:p>
@@ -5398,7 +5401,7 @@
           <a:p>
             <a:fld id="{9FE86839-B9D8-4651-8783-F325ECE74E65}" type="datetimeFigureOut">
               <a:rPr lang="en-US" smtClean="0"/>
-              <a:t>4/19/2017</a:t>
+              <a:t>1/4/2018</a:t>
             </a:fld>
             <a:endParaRPr lang="en-US" dirty="0"/>
           </a:p>
@@ -6261,7 +6264,7 @@
           <a:p>
             <a:fld id="{FD484F64-32F6-45C5-931F-ADC1662401D0}" type="datetimeFigureOut">
               <a:rPr lang="en-US" smtClean="0"/>
-              <a:t>4/19/2017</a:t>
+              <a:t>1/4/2018</a:t>
             </a:fld>
             <a:endParaRPr lang="en-US" dirty="0"/>
           </a:p>
@@ -6456,7 +6459,7 @@
           <a:p>
             <a:fld id="{53086D93-FCAC-47E0-A2EE-787E62CA814C}" type="datetimeFigureOut">
               <a:rPr lang="en-US" smtClean="0"/>
-              <a:t>4/19/2017</a:t>
+              <a:t>1/4/2018</a:t>
             </a:fld>
             <a:endParaRPr lang="en-US" dirty="0"/>
           </a:p>
@@ -7433,7 +7436,7 @@
           <a:p>
             <a:fld id="{CDA879A6-0FD0-4734-A311-86BFCA472E6E}" type="datetimeFigureOut">
               <a:rPr lang="en-US" smtClean="0"/>
-              <a:t>4/19/2017</a:t>
+              <a:t>1/4/2018</a:t>
             </a:fld>
             <a:endParaRPr lang="en-US" dirty="0"/>
           </a:p>
@@ -7649,7 +7652,7 @@
           <a:p>
             <a:fld id="{19C9CA7B-DFD4-44B5-8C60-D14B8CD1FB59}" type="datetimeFigureOut">
               <a:rPr lang="en-US" smtClean="0"/>
-              <a:t>4/19/2017</a:t>
+              <a:t>1/4/2018</a:t>
             </a:fld>
             <a:endParaRPr lang="en-US" dirty="0"/>
           </a:p>
@@ -8688,7 +8691,7 @@
           <a:p>
             <a:fld id="{F34E6425-0181-43F2-84FC-787E803FD2F8}" type="datetimeFigureOut">
               <a:rPr lang="en-US" smtClean="0"/>
-              <a:t>4/19/2017</a:t>
+              <a:t>1/4/2018</a:t>
             </a:fld>
             <a:endParaRPr lang="en-US" dirty="0"/>
           </a:p>
@@ -8965,7 +8968,7 @@
           <a:p>
             <a:fld id="{3BDB8791-F1B0-41E7-B7FD-A781E65C4266}" type="datetimeFigureOut">
               <a:rPr lang="en-US" smtClean="0"/>
-              <a:t>4/19/2017</a:t>
+              <a:t>1/4/2018</a:t>
             </a:fld>
             <a:endParaRPr lang="en-US" dirty="0"/>
           </a:p>
@@ -9380,7 +9383,7 @@
           <a:p>
             <a:fld id="{5FDD63B2-E120-4ED8-B27B-C685F510A5FE}" type="datetimeFigureOut">
               <a:rPr lang="en-US" smtClean="0"/>
-              <a:t>4/19/2017</a:t>
+              <a:t>1/4/2018</a:t>
             </a:fld>
             <a:endParaRPr lang="en-US" dirty="0"/>
           </a:p>
@@ -9512,7 +9515,7 @@
           <a:p>
             <a:fld id="{7AA18ACC-A947-437B-A130-35BD54FDF1E9}" type="datetimeFigureOut">
               <a:rPr lang="en-US" smtClean="0"/>
-              <a:t>4/19/2017</a:t>
+              <a:t>1/4/2018</a:t>
             </a:fld>
             <a:endParaRPr lang="en-US" dirty="0"/>
           </a:p>
@@ -9612,7 +9615,7 @@
           <a:p>
             <a:fld id="{7C8D7E02-BCB8-4D50-A234-369438C08659}" type="datetimeFigureOut">
               <a:rPr lang="en-US" smtClean="0"/>
-              <a:t>4/19/2017</a:t>
+              <a:t>1/4/2018</a:t>
             </a:fld>
             <a:endParaRPr lang="en-US" dirty="0"/>
           </a:p>
@@ -10698,7 +10701,7 @@
           <a:p>
             <a:fld id="{76E86A4C-8E40-4F87-A4F0-01A0687C5742}" type="datetimeFigureOut">
               <a:rPr lang="en-US" smtClean="0"/>
-              <a:t>4/19/2017</a:t>
+              <a:t>1/4/2018</a:t>
             </a:fld>
             <a:endParaRPr lang="en-US" dirty="0"/>
           </a:p>
@@ -11810,7 +11813,7 @@
           <a:p>
             <a:fld id="{35E72C73-2D91-4E12-BA25-F0AA0C03599B}" type="datetimeFigureOut">
               <a:rPr lang="en-US" smtClean="0"/>
-              <a:t>4/19/2017</a:t>
+              <a:t>1/4/2018</a:t>
             </a:fld>
             <a:endParaRPr lang="en-US" dirty="0"/>
           </a:p>
@@ -12812,7 +12815,7 @@
           <a:p>
             <a:fld id="{2BE451C3-0FF4-47C4-B829-773ADF60F88C}" type="datetimeFigureOut">
               <a:rPr lang="en-US" smtClean="0"/>
-              <a:t>4/19/2017</a:t>
+              <a:t>1/4/2018</a:t>
             </a:fld>
             <a:endParaRPr lang="en-US" dirty="0"/>
           </a:p>
@@ -13397,6 +13400,7 @@
           <a:bodyPr/>
           <a:lstStyle/>
           <a:p>
+            <a:pPr algn="ctr"/>
             <a:r>
               <a:rPr lang="en-US" sz="6600" b="1" dirty="0"/>
               <a:t>Sentimental Analysis </a:t>
@@ -13405,64 +13409,6 @@
               <a:rPr lang="en-US" sz="6000" dirty="0"/>
               <a:t>With Bag of Words VS Naive Bayesian</a:t>
             </a:r>
-          </a:p>
-        </p:txBody>
-      </p:sp>
-      <p:sp>
-        <p:nvSpPr>
-          <p:cNvPr id="3" name="Subtitle 2"/>
-          <p:cNvSpPr>
-            <a:spLocks noGrp="1"/>
-          </p:cNvSpPr>
-          <p:nvPr>
-            <p:ph type="subTitle" idx="1"/>
-          </p:nvPr>
-        </p:nvSpPr>
-        <p:spPr>
-          <a:xfrm>
-            <a:off x="7659756" y="4750876"/>
-            <a:ext cx="3937621" cy="1331872"/>
-          </a:xfrm>
-        </p:spPr>
-        <p:txBody>
-          <a:bodyPr>
-            <a:normAutofit fontScale="92500" lnSpcReduction="10000"/>
-          </a:bodyPr>
-          <a:lstStyle/>
-          <a:p>
-            <a:r>
-              <a:rPr lang="en-US" sz="2400" cap="none" dirty="0">
-                <a:solidFill>
-                  <a:schemeClr val="bg1"/>
-                </a:solidFill>
-              </a:rPr>
-              <a:t>     Submitted By</a:t>
-            </a:r>
-          </a:p>
-          <a:p>
-            <a:r>
-              <a:rPr lang="en-US" sz="2400" cap="none" dirty="0">
-                <a:solidFill>
-                  <a:schemeClr val="bg1"/>
-                </a:solidFill>
-              </a:rPr>
-              <a:t>     G.Hari Krishna Reddy</a:t>
-            </a:r>
-          </a:p>
-          <a:p>
-            <a:r>
-              <a:rPr lang="en-US" sz="2400" cap="none" dirty="0">
-                <a:solidFill>
-                  <a:schemeClr val="bg1"/>
-                </a:solidFill>
-              </a:rPr>
-              <a:t>      148W1A1217                                                                                            </a:t>
-            </a:r>
-            <a:endParaRPr lang="en-US" sz="2400" dirty="0">
-              <a:solidFill>
-                <a:schemeClr val="bg1"/>
-              </a:solidFill>
-            </a:endParaRPr>
           </a:p>
         </p:txBody>
       </p:sp>
@@ -15346,7 +15292,7 @@
             </a:r>
             <a:r>
               <a:rPr lang="en-US" sz="2000" dirty="0"/>
-              <a:t> with BAG of words achieved 69.5 percent of accuracy</a:t>
+              <a:t> with BAG of words achieved a bad 54.6 percent of accuracy</a:t>
             </a:r>
           </a:p>
         </p:txBody>
@@ -15455,7 +15401,13 @@
       </p:sp>
       <p:pic>
         <p:nvPicPr>
-          <p:cNvPr id="7" name="Picture 6"/>
+          <p:cNvPr id="4" name="Picture 3">
+            <a:extLst>
+              <a:ext uri="{FF2B5EF4-FFF2-40B4-BE49-F238E27FC236}">
+                <a16:creationId xmlns:a16="http://schemas.microsoft.com/office/drawing/2014/main" id="{A874437D-6D18-43D8-85A1-F6DC67CECA75}"/>
+              </a:ext>
+            </a:extLst>
+          </p:cNvPr>
           <p:cNvPicPr>
             <a:picLocks noChangeAspect="1"/>
           </p:cNvPicPr>
@@ -15469,8 +15421,8 @@
         </p:blipFill>
         <p:spPr>
           <a:xfrm>
-            <a:off x="3628568" y="2054087"/>
-            <a:ext cx="8258631" cy="4643213"/>
+            <a:off x="3725993" y="2199861"/>
+            <a:ext cx="7763641" cy="4364917"/>
           </a:xfrm>
           <a:prstGeom prst="rect">
             <a:avLst/>
@@ -18020,39 +17972,39 @@
                   <a:schemeClr val="bg1"/>
                 </a:solidFill>
               </a:rPr>
-              <a:t>Naïve Bayesian classifier achieved 78.8 percent accuracy</a:t>
+              <a:t>Naïve Bayesian classifier achieved 47 percent accuracy</a:t>
             </a:r>
           </a:p>
         </p:txBody>
       </p:sp>
       <p:pic>
         <p:nvPicPr>
-          <p:cNvPr id="22" name="Content Placeholder 3"/>
-          <p:cNvPicPr/>
+          <p:cNvPr id="3" name="Picture 2">
+            <a:extLst>
+              <a:ext uri="{FF2B5EF4-FFF2-40B4-BE49-F238E27FC236}">
+                <a16:creationId xmlns:a16="http://schemas.microsoft.com/office/drawing/2014/main" id="{BA131E29-18DA-413C-BFAA-1043C2009FF9}"/>
+              </a:ext>
+            </a:extLst>
+          </p:cNvPr>
+          <p:cNvPicPr>
+            <a:picLocks noChangeAspect="1"/>
+          </p:cNvPicPr>
           <p:nvPr/>
         </p:nvPicPr>
-        <p:blipFill rotWithShape="1">
+        <p:blipFill>
           <a:blip r:embed="rId3"/>
-          <a:srcRect r="40383" b="11464"/>
-          <a:stretch/>
+          <a:stretch>
+            <a:fillRect/>
+          </a:stretch>
         </p:blipFill>
         <p:spPr>
           <a:xfrm>
-            <a:off x="5085051" y="618978"/>
-            <a:ext cx="5662666" cy="5400822"/>
+            <a:off x="5252120" y="626535"/>
+            <a:ext cx="6124575" cy="5829300"/>
           </a:xfrm>
-          <a:prstGeom prst="roundRect">
-            <a:avLst>
-              <a:gd name="adj" fmla="val 1858"/>
-            </a:avLst>
+          <a:prstGeom prst="rect">
+            <a:avLst/>
           </a:prstGeom>
-          <a:effectLst>
-            <a:outerShdw blurRad="50800" dist="50800" dir="5400000" algn="tl" rotWithShape="0">
-              <a:srgbClr val="000000">
-                <a:alpha val="43000"/>
-              </a:srgbClr>
-            </a:outerShdw>
-          </a:effectLst>
         </p:spPr>
       </p:pic>
     </p:spTree>
@@ -18116,14 +18068,14 @@
           <p:nvPr>
             <p:extLst>
               <p:ext uri="{D42A27DB-BD31-4B8C-83A1-F6EECF244321}">
-                <p14:modId xmlns:p14="http://schemas.microsoft.com/office/powerpoint/2010/main" val="2488193489"/>
+                <p14:modId xmlns:p14="http://schemas.microsoft.com/office/powerpoint/2010/main" val="4154776377"/>
               </p:ext>
             </p:extLst>
           </p:nvPr>
         </p:nvGraphicFramePr>
         <p:xfrm>
           <a:off x="1046922" y="2451652"/>
-          <a:ext cx="9289773" cy="3376378"/>
+          <a:ext cx="9289773" cy="2834040"/>
         </p:xfrm>
         <a:graphic>
           <a:graphicData uri="http://schemas.openxmlformats.org/drawingml/2006/table">
@@ -18154,7 +18106,7 @@
                   </a:extLst>
                 </a:gridCol>
               </a:tblGrid>
-              <a:tr h="782029">
+              <a:tr h="758151">
                 <a:tc>
                   <a:txBody>
                     <a:bodyPr/>
@@ -18208,7 +18160,7 @@
                   </a:ext>
                 </a:extLst>
               </a:tr>
-              <a:tr h="453080">
+              <a:tr h="439246">
                 <a:tc>
                   <a:txBody>
                     <a:bodyPr/>
@@ -18231,7 +18183,7 @@
                       <a:pPr algn="ctr"/>
                       <a:r>
                         <a:rPr lang="en-US" dirty="0"/>
-                        <a:t>69.5</a:t>
+                        <a:t>54.2</a:t>
                       </a:r>
                     </a:p>
                   </a:txBody>
@@ -18245,7 +18197,7 @@
                       <a:pPr algn="ctr"/>
                       <a:r>
                         <a:rPr lang="en-US" dirty="0"/>
-                        <a:t>78.8</a:t>
+                        <a:t>47</a:t>
                       </a:r>
                     </a:p>
                   </a:txBody>
@@ -18257,7 +18209,7 @@
                   </a:ext>
                 </a:extLst>
               </a:tr>
-              <a:tr h="453080">
+              <a:tr h="439246">
                 <a:tc>
                   <a:txBody>
                     <a:bodyPr/>
@@ -18266,7 +18218,7 @@
                       <a:pPr algn="l"/>
                       <a:r>
                         <a:rPr lang="en-US" dirty="0"/>
-                        <a:t>Cost</a:t>
+                        <a:t>Cost(execution time)</a:t>
                       </a:r>
                     </a:p>
                   </a:txBody>
@@ -18306,7 +18258,7 @@
                   </a:ext>
                 </a:extLst>
               </a:tr>
-              <a:tr h="453080">
+              <a:tr h="439246">
                 <a:tc>
                   <a:txBody>
                     <a:bodyPr/>
@@ -18355,56 +18307,7 @@
                   </a:ext>
                 </a:extLst>
               </a:tr>
-              <a:tr h="453080">
-                <a:tc>
-                  <a:txBody>
-                    <a:bodyPr/>
-                    <a:lstStyle/>
-                    <a:p>
-                      <a:pPr algn="l"/>
-                      <a:r>
-                        <a:rPr lang="en-US" dirty="0"/>
-                        <a:t>Reliability</a:t>
-                      </a:r>
-                    </a:p>
-                  </a:txBody>
-                  <a:tcPr/>
-                </a:tc>
-                <a:tc>
-                  <a:txBody>
-                    <a:bodyPr/>
-                    <a:lstStyle/>
-                    <a:p>
-                      <a:pPr algn="ctr"/>
-                      <a:r>
-                        <a:rPr lang="en-US" dirty="0"/>
-                        <a:t>No</a:t>
-                      </a:r>
-                    </a:p>
-                  </a:txBody>
-                  <a:tcPr/>
-                </a:tc>
-                <a:tc>
-                  <a:txBody>
-                    <a:bodyPr/>
-                    <a:lstStyle/>
-                    <a:p>
-                      <a:pPr algn="ctr"/>
-                      <a:r>
-                        <a:rPr lang="en-US" dirty="0"/>
-                        <a:t>YES</a:t>
-                      </a:r>
-                    </a:p>
-                  </a:txBody>
-                  <a:tcPr/>
-                </a:tc>
-                <a:extLst>
-                  <a:ext uri="{0D108BD9-81ED-4DB2-BD59-A6C34878D82A}">
-                    <a16:rowId xmlns:a16="http://schemas.microsoft.com/office/drawing/2014/main" val="1142002773"/>
-                  </a:ext>
-                </a:extLst>
-              </a:tr>
-              <a:tr h="782029">
+              <a:tr h="758151">
                 <a:tc>
                   <a:txBody>
                     <a:bodyPr/>
@@ -18644,23 +18547,20 @@
           <a:p>
             <a:r>
               <a:rPr lang="en-US" sz="2000" dirty="0"/>
-              <a:t>The bag of Words techniques achieves 69.5 accuracy</a:t>
+              <a:t>The bag of Words techniques achieves 54.2 accuracy</a:t>
             </a:r>
           </a:p>
           <a:p>
             <a:r>
               <a:rPr lang="en-US" sz="2000" dirty="0"/>
-              <a:t>The Naïve Bayesian achieved 78.8 percent accuracy</a:t>
+              <a:t>The Naïve Bayesian achieved 47 percent accuracy</a:t>
             </a:r>
           </a:p>
           <a:p>
             <a:r>
               <a:rPr lang="en-US" sz="2000" dirty="0"/>
-              <a:t>Clearly naïve Bayesian is more reliable than ‘bag of words’</a:t>
-            </a:r>
-          </a:p>
-          <a:p>
-            <a:endParaRPr lang="en-US" sz="2000" dirty="0"/>
+              <a:t>We might get better performance with larger datasets.</a:t>
+            </a:r>
           </a:p>
         </p:txBody>
       </p:sp>
@@ -18681,96 +18581,6 @@
 </file>
 
 <file path=ppt/slides/slide31.xml><?xml version="1.0" encoding="utf-8"?>
-<p:sld xmlns:a="http://schemas.openxmlformats.org/drawingml/2006/main" xmlns:r="http://schemas.openxmlformats.org/officeDocument/2006/relationships" xmlns:p="http://schemas.openxmlformats.org/presentationml/2006/main">
-  <p:cSld>
-    <p:spTree>
-      <p:nvGrpSpPr>
-        <p:cNvPr id="1" name=""/>
-        <p:cNvGrpSpPr/>
-        <p:nvPr/>
-      </p:nvGrpSpPr>
-      <p:grpSpPr>
-        <a:xfrm>
-          <a:off x="0" y="0"/>
-          <a:ext cx="0" cy="0"/>
-          <a:chOff x="0" y="0"/>
-          <a:chExt cx="0" cy="0"/>
-        </a:xfrm>
-      </p:grpSpPr>
-      <p:sp>
-        <p:nvSpPr>
-          <p:cNvPr id="2" name="Title 1"/>
-          <p:cNvSpPr>
-            <a:spLocks noGrp="1"/>
-          </p:cNvSpPr>
-          <p:nvPr>
-            <p:ph type="title"/>
-          </p:nvPr>
-        </p:nvSpPr>
-        <p:spPr/>
-        <p:txBody>
-          <a:bodyPr/>
-          <a:lstStyle/>
-          <a:p>
-            <a:r>
-              <a:rPr lang="en-US" dirty="0"/>
-              <a:t>CONCLUSION</a:t>
-            </a:r>
-          </a:p>
-        </p:txBody>
-      </p:sp>
-      <p:sp>
-        <p:nvSpPr>
-          <p:cNvPr id="3" name="Content Placeholder 2"/>
-          <p:cNvSpPr>
-            <a:spLocks noGrp="1"/>
-          </p:cNvSpPr>
-          <p:nvPr>
-            <p:ph idx="1"/>
-          </p:nvPr>
-        </p:nvSpPr>
-        <p:spPr/>
-        <p:txBody>
-          <a:bodyPr>
-            <a:normAutofit/>
-          </a:bodyPr>
-          <a:lstStyle/>
-          <a:p>
-            <a:r>
-              <a:rPr lang="en-US" sz="2000" dirty="0"/>
-              <a:t>Naïve Bayesian achieved more accuracy than ‘bag of </a:t>
-            </a:r>
-            <a:r>
-              <a:rPr lang="en-US" sz="2000" dirty="0" err="1"/>
-              <a:t>Words’,So</a:t>
-            </a:r>
-            <a:r>
-              <a:rPr lang="en-US" sz="2000" dirty="0"/>
-              <a:t> it is recommended to prefer Naïve over bag of Words.</a:t>
-            </a:r>
-          </a:p>
-          <a:p>
-            <a:r>
-              <a:rPr lang="en-US" sz="2000" dirty="0"/>
-              <a:t>But if you don’t have training data to train the algorithm then go to Bag of Words approach.</a:t>
-            </a:r>
-          </a:p>
-        </p:txBody>
-      </p:sp>
-    </p:spTree>
-    <p:extLst>
-      <p:ext uri="{BB962C8B-B14F-4D97-AF65-F5344CB8AC3E}">
-        <p14:creationId xmlns:p14="http://schemas.microsoft.com/office/powerpoint/2010/main" val="1311096049"/>
-      </p:ext>
-    </p:extLst>
-  </p:cSld>
-  <p:clrMapOvr>
-    <a:masterClrMapping/>
-  </p:clrMapOvr>
-</p:sld>
-</file>
-
-<file path=ppt/slides/slide32.xml><?xml version="1.0" encoding="utf-8"?>
 <p:sld xmlns:a="http://schemas.openxmlformats.org/drawingml/2006/main" xmlns:r="http://schemas.openxmlformats.org/officeDocument/2006/relationships" xmlns:p="http://schemas.openxmlformats.org/presentationml/2006/main">
   <p:cSld>
     <p:spTree>

--- a/presentation.pptx
+++ b/presentation.pptx
@@ -35,7 +35,8 @@
     <p:sldId id="284" r:id="rId29"/>
     <p:sldId id="275" r:id="rId30"/>
     <p:sldId id="285" r:id="rId31"/>
-    <p:sldId id="273" r:id="rId32"/>
+    <p:sldId id="288" r:id="rId32"/>
+    <p:sldId id="273" r:id="rId33"/>
   </p:sldIdLst>
   <p:sldSz cx="12192000" cy="6858000"/>
   <p:notesSz cx="6858000" cy="9144000"/>
@@ -18599,6 +18600,132 @@
       </p:grpSpPr>
       <p:sp>
         <p:nvSpPr>
+          <p:cNvPr id="2" name="Title 1">
+            <a:extLst>
+              <a:ext uri="{FF2B5EF4-FFF2-40B4-BE49-F238E27FC236}">
+                <a16:creationId xmlns:a16="http://schemas.microsoft.com/office/drawing/2014/main" id="{070386F5-C9AE-4328-9B3F-2518EC26548C}"/>
+              </a:ext>
+            </a:extLst>
+          </p:cNvPr>
+          <p:cNvSpPr>
+            <a:spLocks noGrp="1"/>
+          </p:cNvSpPr>
+          <p:nvPr>
+            <p:ph type="title"/>
+          </p:nvPr>
+        </p:nvSpPr>
+        <p:spPr/>
+        <p:txBody>
+          <a:bodyPr/>
+          <a:lstStyle/>
+          <a:p>
+            <a:r>
+              <a:rPr lang="en-US" dirty="0"/>
+              <a:t>Conclusion</a:t>
+            </a:r>
+          </a:p>
+        </p:txBody>
+      </p:sp>
+      <p:sp>
+        <p:nvSpPr>
+          <p:cNvPr id="3" name="Content Placeholder 2">
+            <a:extLst>
+              <a:ext uri="{FF2B5EF4-FFF2-40B4-BE49-F238E27FC236}">
+                <a16:creationId xmlns:a16="http://schemas.microsoft.com/office/drawing/2014/main" id="{6536B15C-3AE3-4BFE-BACC-4AB7C8E0BE05}"/>
+              </a:ext>
+            </a:extLst>
+          </p:cNvPr>
+          <p:cNvSpPr>
+            <a:spLocks noGrp="1"/>
+          </p:cNvSpPr>
+          <p:nvPr>
+            <p:ph idx="1"/>
+          </p:nvPr>
+        </p:nvSpPr>
+        <p:spPr/>
+        <p:txBody>
+          <a:bodyPr>
+            <a:normAutofit/>
+          </a:bodyPr>
+          <a:lstStyle/>
+          <a:p>
+            <a:pPr marL="0" indent="0" algn="just">
+              <a:buNone/>
+            </a:pPr>
+            <a:r>
+              <a:rPr lang="en-US" sz="2400" dirty="0">
+                <a:solidFill>
+                  <a:schemeClr val="tx1"/>
+                </a:solidFill>
+                <a:latin typeface="Times New Roman" panose="02020603050405020304" pitchFamily="18" charset="0"/>
+                <a:cs typeface="Times New Roman" panose="02020603050405020304" pitchFamily="18" charset="0"/>
+              </a:rPr>
+              <a:t>Naïve Bayesian can perform more efficient with larger training datasets than ‘bag of Words’. If you don’t have training data to train the algorithm then go to Bag of Words approach</a:t>
+            </a:r>
+            <a:r>
+              <a:rPr lang="en-US" sz="2400" b="1" dirty="0">
+                <a:solidFill>
+                  <a:schemeClr val="tx1"/>
+                </a:solidFill>
+                <a:latin typeface="Times New Roman" panose="02020603050405020304" pitchFamily="18" charset="0"/>
+                <a:cs typeface="Times New Roman" panose="02020603050405020304" pitchFamily="18" charset="0"/>
+              </a:rPr>
+              <a:t>.</a:t>
+            </a:r>
+            <a:endParaRPr lang="en-US" sz="2400" dirty="0">
+              <a:solidFill>
+                <a:schemeClr val="tx1"/>
+              </a:solidFill>
+              <a:latin typeface="Times New Roman" panose="02020603050405020304" pitchFamily="18" charset="0"/>
+              <a:cs typeface="Times New Roman" panose="02020603050405020304" pitchFamily="18" charset="0"/>
+            </a:endParaRPr>
+          </a:p>
+          <a:p>
+            <a:pPr marL="0" indent="0" algn="just">
+              <a:buNone/>
+            </a:pPr>
+            <a:endParaRPr lang="en-US" sz="2400" dirty="0">
+              <a:solidFill>
+                <a:schemeClr val="tx1"/>
+              </a:solidFill>
+              <a:latin typeface="Times New Roman" panose="02020603050405020304" pitchFamily="18" charset="0"/>
+              <a:cs typeface="Times New Roman" panose="02020603050405020304" pitchFamily="18" charset="0"/>
+            </a:endParaRPr>
+          </a:p>
+        </p:txBody>
+      </p:sp>
+    </p:spTree>
+    <p:extLst>
+      <p:ext uri="{BB962C8B-B14F-4D97-AF65-F5344CB8AC3E}">
+        <p14:creationId xmlns:p14="http://schemas.microsoft.com/office/powerpoint/2010/main" val="2448482278"/>
+      </p:ext>
+    </p:extLst>
+  </p:cSld>
+  <p:clrMapOvr>
+    <a:masterClrMapping/>
+  </p:clrMapOvr>
+</p:sld>
+</file>
+
+<file path=ppt/slides/slide32.xml><?xml version="1.0" encoding="utf-8"?>
+<p:sld xmlns:a="http://schemas.openxmlformats.org/drawingml/2006/main" xmlns:r="http://schemas.openxmlformats.org/officeDocument/2006/relationships" xmlns:p="http://schemas.openxmlformats.org/presentationml/2006/main">
+  <p:cSld>
+    <p:spTree>
+      <p:nvGrpSpPr>
+        <p:cNvPr id="1" name=""/>
+        <p:cNvGrpSpPr/>
+        <p:nvPr/>
+      </p:nvGrpSpPr>
+      <p:grpSpPr>
+        <a:xfrm>
+          <a:off x="0" y="0"/>
+          <a:ext cx="0" cy="0"/>
+          <a:chOff x="0" y="0"/>
+          <a:chExt cx="0" cy="0"/>
+        </a:xfrm>
+      </p:grpSpPr>
+      <p:sp>
+        <p:nvSpPr>
           <p:cNvPr id="4" name="Title 3"/>
           <p:cNvSpPr>
             <a:spLocks noGrp="1"/>
